--- a/BOT Testing with VSTS.pptx
+++ b/BOT Testing with VSTS.pptx
@@ -123,6 +123,10 @@
 </p:presentation>
 </file>
 
+<file path=ppt/revisionInfo.xml><?xml version="1.0" encoding="utf-8"?>
+<p1510:revInfo xmlns:a="http://schemas.openxmlformats.org/drawingml/2006/main" xmlns:r="http://schemas.openxmlformats.org/officeDocument/2006/relationships" xmlns:p1510="http://schemas.microsoft.com/office/powerpoint/2015/10/main"/>
+</file>
+
 <file path=ppt/slideLayouts/slideLayout1.xml><?xml version="1.0" encoding="utf-8"?>
 <p:sldLayout xmlns:a="http://schemas.openxmlformats.org/drawingml/2006/main" xmlns:r="http://schemas.openxmlformats.org/officeDocument/2006/relationships" xmlns:p="http://schemas.openxmlformats.org/presentationml/2006/main" type="title" preserve="1">
   <p:cSld name="Title Slide">
@@ -337,7 +341,7 @@
             <a:fld id="{B61BEF0D-F0BB-DE4B-95CE-6DB70DBA9567}" type="datetimeFigureOut">
               <a:rPr lang="en-US" smtClean="0"/>
               <a:pPr/>
-              <a:t>5/11/2017</a:t>
+              <a:t>7/10/2017</a:t>
             </a:fld>
             <a:endParaRPr lang="en-US" dirty="0"/>
           </a:p>
@@ -629,7 +633,7 @@
             <a:fld id="{B61BEF0D-F0BB-DE4B-95CE-6DB70DBA9567}" type="datetimeFigureOut">
               <a:rPr lang="en-US" smtClean="0"/>
               <a:pPr/>
-              <a:t>5/11/2017</a:t>
+              <a:t>7/10/2017</a:t>
             </a:fld>
             <a:endParaRPr lang="en-US" dirty="0"/>
           </a:p>
@@ -890,7 +894,7 @@
             <a:fld id="{B61BEF0D-F0BB-DE4B-95CE-6DB70DBA9567}" type="datetimeFigureOut">
               <a:rPr lang="en-US" smtClean="0"/>
               <a:pPr/>
-              <a:t>5/11/2017</a:t>
+              <a:t>7/10/2017</a:t>
             </a:fld>
             <a:endParaRPr lang="en-US" dirty="0"/>
           </a:p>
@@ -1361,7 +1365,7 @@
             <a:fld id="{B61BEF0D-F0BB-DE4B-95CE-6DB70DBA9567}" type="datetimeFigureOut">
               <a:rPr lang="en-US" smtClean="0"/>
               <a:pPr/>
-              <a:t>5/11/2017</a:t>
+              <a:t>7/10/2017</a:t>
             </a:fld>
             <a:endParaRPr lang="en-US" dirty="0"/>
           </a:p>
@@ -1543,7 +1547,7 @@
             <a:fld id="{B61BEF0D-F0BB-DE4B-95CE-6DB70DBA9567}" type="datetimeFigureOut">
               <a:rPr lang="en-US" smtClean="0"/>
               <a:pPr/>
-              <a:t>5/11/2017</a:t>
+              <a:t>7/10/2017</a:t>
             </a:fld>
             <a:endParaRPr lang="en-US" dirty="0"/>
           </a:p>
@@ -2121,7 +2125,7 @@
             <a:fld id="{B61BEF0D-F0BB-DE4B-95CE-6DB70DBA9567}" type="datetimeFigureOut">
               <a:rPr lang="en-US" smtClean="0"/>
               <a:pPr/>
-              <a:t>5/11/2017</a:t>
+              <a:t>7/10/2017</a:t>
             </a:fld>
             <a:endParaRPr lang="en-US" dirty="0"/>
           </a:p>
@@ -2455,7 +2459,7 @@
             <a:fld id="{B61BEF0D-F0BB-DE4B-95CE-6DB70DBA9567}" type="datetimeFigureOut">
               <a:rPr lang="en-US" smtClean="0"/>
               <a:pPr/>
-              <a:t>5/11/2017</a:t>
+              <a:t>7/10/2017</a:t>
             </a:fld>
             <a:endParaRPr lang="en-US" dirty="0"/>
           </a:p>
@@ -2632,7 +2636,7 @@
             <a:fld id="{B61BEF0D-F0BB-DE4B-95CE-6DB70DBA9567}" type="datetimeFigureOut">
               <a:rPr lang="en-US" smtClean="0"/>
               <a:pPr/>
-              <a:t>5/11/2017</a:t>
+              <a:t>7/10/2017</a:t>
             </a:fld>
             <a:endParaRPr lang="en-US" dirty="0"/>
           </a:p>
@@ -2814,7 +2818,7 @@
             <a:fld id="{B61BEF0D-F0BB-DE4B-95CE-6DB70DBA9567}" type="datetimeFigureOut">
               <a:rPr lang="en-US" smtClean="0"/>
               <a:pPr/>
-              <a:t>5/11/2017</a:t>
+              <a:t>7/10/2017</a:t>
             </a:fld>
             <a:endParaRPr lang="en-US" dirty="0"/>
           </a:p>
@@ -2986,7 +2990,7 @@
             <a:fld id="{B61BEF0D-F0BB-DE4B-95CE-6DB70DBA9567}" type="datetimeFigureOut">
               <a:rPr lang="en-US" smtClean="0"/>
               <a:pPr/>
-              <a:t>5/11/2017</a:t>
+              <a:t>7/10/2017</a:t>
             </a:fld>
             <a:endParaRPr lang="en-US" dirty="0"/>
           </a:p>
@@ -3245,7 +3249,7 @@
             <a:fld id="{B61BEF0D-F0BB-DE4B-95CE-6DB70DBA9567}" type="datetimeFigureOut">
               <a:rPr lang="en-US" smtClean="0"/>
               <a:pPr/>
-              <a:t>5/11/2017</a:t>
+              <a:t>7/10/2017</a:t>
             </a:fld>
             <a:endParaRPr lang="en-US" dirty="0"/>
           </a:p>
@@ -3539,7 +3543,7 @@
             <a:fld id="{B61BEF0D-F0BB-DE4B-95CE-6DB70DBA9567}" type="datetimeFigureOut">
               <a:rPr lang="en-US" smtClean="0"/>
               <a:pPr/>
-              <a:t>5/11/2017</a:t>
+              <a:t>7/10/2017</a:t>
             </a:fld>
             <a:endParaRPr lang="en-US" dirty="0"/>
           </a:p>
@@ -3971,7 +3975,7 @@
             <a:fld id="{B61BEF0D-F0BB-DE4B-95CE-6DB70DBA9567}" type="datetimeFigureOut">
               <a:rPr lang="en-US" smtClean="0"/>
               <a:pPr/>
-              <a:t>5/11/2017</a:t>
+              <a:t>7/10/2017</a:t>
             </a:fld>
             <a:endParaRPr lang="en-US" dirty="0"/>
           </a:p>
@@ -4091,7 +4095,7 @@
             <a:fld id="{B61BEF0D-F0BB-DE4B-95CE-6DB70DBA9567}" type="datetimeFigureOut">
               <a:rPr lang="en-US" smtClean="0"/>
               <a:pPr/>
-              <a:t>5/11/2017</a:t>
+              <a:t>7/10/2017</a:t>
             </a:fld>
             <a:endParaRPr lang="en-US" dirty="0"/>
           </a:p>
@@ -4188,7 +4192,7 @@
             <a:fld id="{B61BEF0D-F0BB-DE4B-95CE-6DB70DBA9567}" type="datetimeFigureOut">
               <a:rPr lang="en-US" smtClean="0"/>
               <a:pPr/>
-              <a:t>5/11/2017</a:t>
+              <a:t>7/10/2017</a:t>
             </a:fld>
             <a:endParaRPr lang="en-US" dirty="0"/>
           </a:p>
@@ -4473,7 +4477,7 @@
             <a:fld id="{B61BEF0D-F0BB-DE4B-95CE-6DB70DBA9567}" type="datetimeFigureOut">
               <a:rPr lang="en-US" smtClean="0"/>
               <a:pPr/>
-              <a:t>5/11/2017</a:t>
+              <a:t>7/10/2017</a:t>
             </a:fld>
             <a:endParaRPr lang="en-US" dirty="0"/>
           </a:p>
@@ -4765,7 +4769,7 @@
             <a:fld id="{B61BEF0D-F0BB-DE4B-95CE-6DB70DBA9567}" type="datetimeFigureOut">
               <a:rPr lang="en-US" smtClean="0"/>
               <a:pPr/>
-              <a:t>5/11/2017</a:t>
+              <a:t>7/10/2017</a:t>
             </a:fld>
             <a:endParaRPr lang="en-US" dirty="0"/>
           </a:p>
@@ -4998,7 +5002,7 @@
             <a:fld id="{B61BEF0D-F0BB-DE4B-95CE-6DB70DBA9567}" type="datetimeFigureOut">
               <a:rPr lang="en-US" smtClean="0"/>
               <a:pPr/>
-              <a:t>5/11/2017</a:t>
+              <a:t>7/10/2017</a:t>
             </a:fld>
             <a:endParaRPr lang="en-US" dirty="0"/>
           </a:p>
@@ -6077,66 +6081,6 @@
           </a:p>
         </p:txBody>
       </p:sp>
-      <p:graphicFrame>
-        <p:nvGraphicFramePr>
-          <p:cNvPr id="4" name="Object 3"/>
-          <p:cNvGraphicFramePr>
-            <a:graphicFrameLocks noChangeAspect="1"/>
-          </p:cNvGraphicFramePr>
-          <p:nvPr>
-            <p:extLst>
-              <p:ext uri="{D42A27DB-BD31-4B8C-83A1-F6EECF244321}">
-                <p14:modId xmlns:p14="http://schemas.microsoft.com/office/powerpoint/2010/main" val="2920857991"/>
-              </p:ext>
-            </p:extLst>
-          </p:nvPr>
-        </p:nvGraphicFramePr>
-        <p:xfrm>
-          <a:off x="9473650" y="4964722"/>
-          <a:ext cx="1301261" cy="761862"/>
-        </p:xfrm>
-        <a:graphic>
-          <a:graphicData uri="http://schemas.openxmlformats.org/presentationml/2006/ole">
-            <mc:AlternateContent xmlns:mc="http://schemas.openxmlformats.org/markup-compatibility/2006">
-              <mc:Choice xmlns:v="urn:schemas-microsoft-com:vml" Requires="v">
-                <p:oleObj spid="_x0000_s1032" name="Packager Shell Object" showAsIcon="1" r:id="rId3" imgW="677880" imgH="396720" progId="Package">
-                  <p:embed/>
-                </p:oleObj>
-              </mc:Choice>
-              <mc:Fallback>
-                <p:oleObj name="Packager Shell Object" showAsIcon="1" r:id="rId3" imgW="677880" imgH="396720" progId="Package">
-                  <p:embed/>
-                  <p:pic>
-                    <p:nvPicPr>
-                      <p:cNvPr id="0" name=""/>
-                      <p:cNvPicPr/>
-                      <p:nvPr/>
-                    </p:nvPicPr>
-                    <p:blipFill>
-                      <a:blip r:embed="rId4"/>
-                      <a:stretch>
-                        <a:fillRect/>
-                      </a:stretch>
-                    </p:blipFill>
-                    <p:spPr>
-                      <a:xfrm>
-                        <a:off x="9473650" y="4964722"/>
-                        <a:ext cx="1301261" cy="761862"/>
-                      </a:xfrm>
-                      <a:prstGeom prst="rect">
-                        <a:avLst/>
-                      </a:prstGeom>
-                      <a:solidFill>
-                        <a:schemeClr val="tx1"/>
-                      </a:solidFill>
-                    </p:spPr>
-                  </p:pic>
-                </p:oleObj>
-              </mc:Fallback>
-            </mc:AlternateContent>
-          </a:graphicData>
-        </a:graphic>
-      </p:graphicFrame>
       <p:pic>
         <p:nvPicPr>
           <p:cNvPr id="5" name="Picture 4"/>
@@ -6146,7 +6090,7 @@
           <p:nvPr/>
         </p:nvPicPr>
         <p:blipFill>
-          <a:blip r:embed="rId5"/>
+          <a:blip r:embed="rId2"/>
           <a:stretch>
             <a:fillRect/>
           </a:stretch>
@@ -8344,11 +8288,7 @@
             <a:pPr algn="r"/>
             <a:r>
               <a:rPr lang="en-US" dirty="0"/>
-              <a:t>Bot Test process </a:t>
-            </a:r>
-            <a:r>
-              <a:rPr lang="en-US" dirty="0"/>
-              <a:t>– Step 2</a:t>
+              <a:t>Bot Test process – Step 2</a:t>
             </a:r>
           </a:p>
         </p:txBody>
@@ -8993,11 +8933,7 @@
             <a:pPr algn="r"/>
             <a:r>
               <a:rPr lang="en-US" dirty="0"/>
-              <a:t>Bot Test process </a:t>
-            </a:r>
-            <a:r>
-              <a:rPr lang="en-US" dirty="0"/>
-              <a:t>– Step 3</a:t>
+              <a:t>Bot Test process – Step 3</a:t>
             </a:r>
           </a:p>
         </p:txBody>
